--- a/Press Kit/Get it in bro - Eindpresentatie.pptx
+++ b/Press Kit/Get it in bro - Eindpresentatie.pptx
@@ -307,7 +307,7 @@
           <a:p>
             <a:fld id="{93706F66-B0EB-4D47-9891-EDC4163A7D37}" type="datetimeFigureOut">
               <a:rPr lang="nl-NL" smtClean="0"/>
-              <a:t>10-10-2013</a:t>
+              <a:t>11-10-2013</a:t>
             </a:fld>
             <a:endParaRPr lang="nl-NL"/>
           </a:p>
@@ -472,7 +472,7 @@
           <a:p>
             <a:fld id="{93706F66-B0EB-4D47-9891-EDC4163A7D37}" type="datetimeFigureOut">
               <a:rPr lang="nl-NL" smtClean="0"/>
-              <a:t>10-10-2013</a:t>
+              <a:t>11-10-2013</a:t>
             </a:fld>
             <a:endParaRPr lang="nl-NL"/>
           </a:p>
@@ -647,7 +647,7 @@
           <a:p>
             <a:fld id="{93706F66-B0EB-4D47-9891-EDC4163A7D37}" type="datetimeFigureOut">
               <a:rPr lang="nl-NL" smtClean="0"/>
-              <a:t>10-10-2013</a:t>
+              <a:t>11-10-2013</a:t>
             </a:fld>
             <a:endParaRPr lang="nl-NL"/>
           </a:p>
@@ -830,7 +830,7 @@
           <a:p>
             <a:fld id="{93706F66-B0EB-4D47-9891-EDC4163A7D37}" type="datetimeFigureOut">
               <a:rPr lang="nl-NL" smtClean="0"/>
-              <a:t>10-10-2013</a:t>
+              <a:t>11-10-2013</a:t>
             </a:fld>
             <a:endParaRPr lang="nl-NL"/>
           </a:p>
@@ -1092,7 +1092,7 @@
           <a:p>
             <a:fld id="{93706F66-B0EB-4D47-9891-EDC4163A7D37}" type="datetimeFigureOut">
               <a:rPr lang="nl-NL" smtClean="0"/>
-              <a:t>10-10-2013</a:t>
+              <a:t>11-10-2013</a:t>
             </a:fld>
             <a:endParaRPr lang="nl-NL"/>
           </a:p>
@@ -1440,7 +1440,7 @@
           <a:p>
             <a:fld id="{93706F66-B0EB-4D47-9891-EDC4163A7D37}" type="datetimeFigureOut">
               <a:rPr lang="nl-NL" smtClean="0"/>
-              <a:t>10-10-2013</a:t>
+              <a:t>11-10-2013</a:t>
             </a:fld>
             <a:endParaRPr lang="nl-NL"/>
           </a:p>
@@ -1748,7 +1748,7 @@
           <a:p>
             <a:fld id="{93706F66-B0EB-4D47-9891-EDC4163A7D37}" type="datetimeFigureOut">
               <a:rPr lang="nl-NL" smtClean="0"/>
-              <a:t>10-10-2013</a:t>
+              <a:t>11-10-2013</a:t>
             </a:fld>
             <a:endParaRPr lang="nl-NL"/>
           </a:p>
@@ -1975,7 +1975,7 @@
           <a:p>
             <a:fld id="{93706F66-B0EB-4D47-9891-EDC4163A7D37}" type="datetimeFigureOut">
               <a:rPr lang="nl-NL" smtClean="0"/>
-              <a:t>10-10-2013</a:t>
+              <a:t>11-10-2013</a:t>
             </a:fld>
             <a:endParaRPr lang="nl-NL"/>
           </a:p>
@@ -2065,7 +2065,7 @@
           <a:p>
             <a:fld id="{93706F66-B0EB-4D47-9891-EDC4163A7D37}" type="datetimeFigureOut">
               <a:rPr lang="nl-NL" smtClean="0"/>
-              <a:t>10-10-2013</a:t>
+              <a:t>11-10-2013</a:t>
             </a:fld>
             <a:endParaRPr lang="nl-NL"/>
           </a:p>
@@ -2353,7 +2353,7 @@
           <a:p>
             <a:fld id="{93706F66-B0EB-4D47-9891-EDC4163A7D37}" type="datetimeFigureOut">
               <a:rPr lang="nl-NL" smtClean="0"/>
-              <a:t>10-10-2013</a:t>
+              <a:t>11-10-2013</a:t>
             </a:fld>
             <a:endParaRPr lang="nl-NL"/>
           </a:p>
@@ -2622,7 +2622,7 @@
           <a:p>
             <a:fld id="{93706F66-B0EB-4D47-9891-EDC4163A7D37}" type="datetimeFigureOut">
               <a:rPr lang="nl-NL" smtClean="0"/>
-              <a:t>10-10-2013</a:t>
+              <a:t>11-10-2013</a:t>
             </a:fld>
             <a:endParaRPr lang="nl-NL"/>
           </a:p>
@@ -2832,7 +2832,7 @@
           <a:p>
             <a:fld id="{93706F66-B0EB-4D47-9891-EDC4163A7D37}" type="datetimeFigureOut">
               <a:rPr lang="nl-NL" smtClean="0"/>
-              <a:t>10-10-2013</a:t>
+              <a:t>11-10-2013</a:t>
             </a:fld>
             <a:endParaRPr lang="nl-NL"/>
           </a:p>
@@ -3991,8 +3991,13 @@
             </a:pPr>
             <a:r>
               <a:rPr lang="nl-NL" sz="1800" dirty="0" smtClean="0"/>
-              <a:t>Besturing gaat d.m.v. muis of Touch screen, afhankelijk van het platform.</a:t>
-            </a:r>
+              <a:t>Besturing gaat d.m.v. muis of Touch screen, afhankelijk van het </a:t>
+            </a:r>
+            <a:r>
+              <a:rPr lang="nl-NL" sz="1800" dirty="0" smtClean="0"/>
+              <a:t>apparaat.</a:t>
+            </a:r>
+            <a:endParaRPr lang="nl-NL" sz="1800" dirty="0" smtClean="0"/>
           </a:p>
           <a:p>
             <a:pPr marL="0" indent="0">
@@ -4006,8 +4011,13 @@
             </a:pPr>
             <a:r>
               <a:rPr lang="nl-NL" sz="1800" dirty="0" smtClean="0"/>
-              <a:t>Uniek aan de game is de mogelijkheid voor de speler om zelf levels en objecten te creëren en te delen met zijn vrienden. Mocht de speler dit willen, kan het object of level gedeeld worden met de rest van de wereld door middel van de ‘store’. </a:t>
-            </a:r>
+              <a:t>Uniek aan de game is de mogelijkheid voor de speler om zelf levels en objecten te creëren en te delen met zijn vrienden. Mocht de speler dit willen, kan het object of level gedeeld worden met de rest van de wereld door middel van de ‘store</a:t>
+            </a:r>
+            <a:r>
+              <a:rPr lang="nl-NL" sz="1800" dirty="0" smtClean="0"/>
+              <a:t>’, welke op een later tijdstip gelanceerd wordt.</a:t>
+            </a:r>
+            <a:endParaRPr lang="nl-NL" sz="1800" dirty="0" smtClean="0"/>
           </a:p>
           <a:p>
             <a:pPr marL="0" indent="0">
@@ -4029,11 +4039,23 @@
             </a:r>
             <a:r>
               <a:rPr lang="nl-NL" sz="1800" dirty="0" smtClean="0"/>
-              <a:t> elementen creëren, maar er zullen in ieder geval nauwkeurigheid</a:t>
+              <a:t> elementen creëren, maar er zullen in ieder geval </a:t>
+            </a:r>
+            <a:r>
+              <a:rPr lang="nl-NL" sz="1800" dirty="0" smtClean="0"/>
+              <a:t>nauwkeurigheid, </a:t>
             </a:r>
             <a:r>
               <a:rPr lang="nl-NL" sz="1800" dirty="0"/>
-              <a:t>, Race tegen de tijd/tegenstander, Verkennen, </a:t>
+              <a:t>v</a:t>
+            </a:r>
+            <a:r>
+              <a:rPr lang="nl-NL" sz="1800" dirty="0" smtClean="0"/>
+              <a:t>erkennen</a:t>
+            </a:r>
+            <a:r>
+              <a:rPr lang="nl-NL" sz="1800" dirty="0"/>
+              <a:t>, </a:t>
             </a:r>
             <a:r>
               <a:rPr lang="nl-NL" sz="1800" dirty="0" smtClean="0"/>
@@ -4409,73 +4431,6 @@
             <a:r>
               <a:rPr lang="nl-NL" sz="1800" dirty="0" smtClean="0"/>
               <a:t>Het tekenen op de wereld vereist soms uiterste precisie!</a:t>
-            </a:r>
-          </a:p>
-          <a:p>
-            <a:pPr marL="0" indent="0">
-              <a:buNone/>
-            </a:pPr>
-            <a:r>
-              <a:rPr lang="nl-NL" dirty="0" smtClean="0">
-                <a:solidFill>
-                  <a:schemeClr val="tx2"/>
-                </a:solidFill>
-                <a:effectLst>
-                  <a:outerShdw blurRad="38100" dist="38100" dir="2700000" algn="tl">
-                    <a:srgbClr val="000000">
-                      <a:alpha val="43137"/>
-                    </a:srgbClr>
-                  </a:outerShdw>
-                </a:effectLst>
-              </a:rPr>
-              <a:t>Race </a:t>
-            </a:r>
-            <a:r>
-              <a:rPr lang="nl-NL" dirty="0">
-                <a:solidFill>
-                  <a:schemeClr val="tx2"/>
-                </a:solidFill>
-                <a:effectLst>
-                  <a:outerShdw blurRad="38100" dist="38100" dir="2700000" algn="tl">
-                    <a:srgbClr val="000000">
-                      <a:alpha val="43137"/>
-                    </a:srgbClr>
-                  </a:outerShdw>
-                </a:effectLst>
-              </a:rPr>
-              <a:t>tegen de </a:t>
-            </a:r>
-            <a:r>
-              <a:rPr lang="nl-NL" dirty="0" smtClean="0">
-                <a:solidFill>
-                  <a:schemeClr val="tx2"/>
-                </a:solidFill>
-                <a:effectLst>
-                  <a:outerShdw blurRad="38100" dist="38100" dir="2700000" algn="tl">
-                    <a:srgbClr val="000000">
-                      <a:alpha val="43137"/>
-                    </a:srgbClr>
-                  </a:outerShdw>
-                </a:effectLst>
-              </a:rPr>
-              <a:t>tijd/tegenstander</a:t>
-            </a:r>
-          </a:p>
-          <a:p>
-            <a:pPr marL="457200" lvl="1" indent="0">
-              <a:buNone/>
-            </a:pPr>
-            <a:r>
-              <a:rPr lang="nl-NL" dirty="0" smtClean="0"/>
-              <a:t>Afhankelijk van de game modus zal de tegenstander een al bepaalde tijd moeten verslaan of tegen een vriend ‘racen’ via internet (Turn </a:t>
-            </a:r>
-            <a:r>
-              <a:rPr lang="nl-NL" dirty="0" err="1" smtClean="0"/>
-              <a:t>Based</a:t>
-            </a:r>
-            <a:r>
-              <a:rPr lang="nl-NL" dirty="0" smtClean="0"/>
-              <a:t>).</a:t>
             </a:r>
           </a:p>
           <a:p>
